--- a/Loan Eligibility Prediction1.pptx
+++ b/Loan Eligibility Prediction1.pptx
@@ -11,9 +11,6 @@
     <p:sldId id="262" r:id="rId5"/>
     <p:sldId id="259" r:id="rId6"/>
     <p:sldId id="260" r:id="rId7"/>
-    <p:sldId id="263" r:id="rId8"/>
-    <p:sldId id="264" r:id="rId9"/>
-    <p:sldId id="261" r:id="rId10"/>
   </p:sldIdLst>
   <p:sldSz cx="12192000" cy="6858000"/>
   <p:notesSz cx="6858000" cy="9144000"/>
@@ -394,7 +391,7 @@
           <a:p>
             <a:fld id="{C577B468-D81A-4685-BE28-2E246ED34691}" type="datetimeFigureOut">
               <a:rPr lang="en-IN" smtClean="0"/>
-              <a:t>04-05-2023</a:t>
+              <a:t>15-04-2024</a:t>
             </a:fld>
             <a:endParaRPr lang="en-IN"/>
           </a:p>
@@ -808,7 +805,7 @@
           <a:p>
             <a:fld id="{C577B468-D81A-4685-BE28-2E246ED34691}" type="datetimeFigureOut">
               <a:rPr lang="en-IN" smtClean="0"/>
-              <a:t>04-05-2023</a:t>
+              <a:t>15-04-2024</a:t>
             </a:fld>
             <a:endParaRPr lang="en-IN"/>
           </a:p>
@@ -1144,7 +1141,7 @@
           <a:p>
             <a:fld id="{C577B468-D81A-4685-BE28-2E246ED34691}" type="datetimeFigureOut">
               <a:rPr lang="en-IN" smtClean="0"/>
-              <a:t>04-05-2023</a:t>
+              <a:t>15-04-2024</a:t>
             </a:fld>
             <a:endParaRPr lang="en-IN"/>
           </a:p>
@@ -1549,7 +1546,7 @@
           <a:p>
             <a:fld id="{C577B468-D81A-4685-BE28-2E246ED34691}" type="datetimeFigureOut">
               <a:rPr lang="en-IN" smtClean="0"/>
-              <a:t>04-05-2023</a:t>
+              <a:t>15-04-2024</a:t>
             </a:fld>
             <a:endParaRPr lang="en-IN"/>
           </a:p>
@@ -2117,7 +2114,7 @@
           <a:p>
             <a:fld id="{C577B468-D81A-4685-BE28-2E246ED34691}" type="datetimeFigureOut">
               <a:rPr lang="en-IN" smtClean="0"/>
-              <a:t>04-05-2023</a:t>
+              <a:t>15-04-2024</a:t>
             </a:fld>
             <a:endParaRPr lang="en-IN"/>
           </a:p>
@@ -2798,7 +2795,7 @@
           <a:p>
             <a:fld id="{C577B468-D81A-4685-BE28-2E246ED34691}" type="datetimeFigureOut">
               <a:rPr lang="en-IN" smtClean="0"/>
-              <a:t>04-05-2023</a:t>
+              <a:t>15-04-2024</a:t>
             </a:fld>
             <a:endParaRPr lang="en-IN"/>
           </a:p>
@@ -3711,7 +3708,7 @@
           <a:p>
             <a:fld id="{C577B468-D81A-4685-BE28-2E246ED34691}" type="datetimeFigureOut">
               <a:rPr lang="en-IN" smtClean="0"/>
-              <a:t>04-05-2023</a:t>
+              <a:t>15-04-2024</a:t>
             </a:fld>
             <a:endParaRPr lang="en-IN"/>
           </a:p>
@@ -4024,7 +4021,7 @@
           <a:p>
             <a:fld id="{C577B468-D81A-4685-BE28-2E246ED34691}" type="datetimeFigureOut">
               <a:rPr lang="en-IN" smtClean="0"/>
-              <a:t>04-05-2023</a:t>
+              <a:t>15-04-2024</a:t>
             </a:fld>
             <a:endParaRPr lang="en-IN"/>
           </a:p>
@@ -4288,7 +4285,7 @@
           <a:p>
             <a:fld id="{C577B468-D81A-4685-BE28-2E246ED34691}" type="datetimeFigureOut">
               <a:rPr lang="en-IN" smtClean="0"/>
-              <a:t>04-05-2023</a:t>
+              <a:t>15-04-2024</a:t>
             </a:fld>
             <a:endParaRPr lang="en-IN"/>
           </a:p>
@@ -4611,7 +4608,7 @@
           <a:p>
             <a:fld id="{C577B468-D81A-4685-BE28-2E246ED34691}" type="datetimeFigureOut">
               <a:rPr lang="en-IN" smtClean="0"/>
-              <a:t>04-05-2023</a:t>
+              <a:t>15-04-2024</a:t>
             </a:fld>
             <a:endParaRPr lang="en-IN"/>
           </a:p>
@@ -5000,7 +4997,7 @@
           <a:p>
             <a:fld id="{C577B468-D81A-4685-BE28-2E246ED34691}" type="datetimeFigureOut">
               <a:rPr lang="en-IN" smtClean="0"/>
-              <a:t>04-05-2023</a:t>
+              <a:t>15-04-2024</a:t>
             </a:fld>
             <a:endParaRPr lang="en-IN"/>
           </a:p>
@@ -5376,7 +5373,7 @@
           <a:p>
             <a:fld id="{C577B468-D81A-4685-BE28-2E246ED34691}" type="datetimeFigureOut">
               <a:rPr lang="en-IN" smtClean="0"/>
-              <a:t>04-05-2023</a:t>
+              <a:t>15-04-2024</a:t>
             </a:fld>
             <a:endParaRPr lang="en-IN"/>
           </a:p>
@@ -5882,7 +5879,7 @@
           <a:p>
             <a:fld id="{C577B468-D81A-4685-BE28-2E246ED34691}" type="datetimeFigureOut">
               <a:rPr lang="en-IN" smtClean="0"/>
-              <a:t>04-05-2023</a:t>
+              <a:t>15-04-2024</a:t>
             </a:fld>
             <a:endParaRPr lang="en-IN"/>
           </a:p>
@@ -6139,7 +6136,7 @@
           <a:p>
             <a:fld id="{C577B468-D81A-4685-BE28-2E246ED34691}" type="datetimeFigureOut">
               <a:rPr lang="en-IN" smtClean="0"/>
-              <a:t>04-05-2023</a:t>
+              <a:t>15-04-2024</a:t>
             </a:fld>
             <a:endParaRPr lang="en-IN"/>
           </a:p>
@@ -6302,7 +6299,7 @@
           <a:p>
             <a:fld id="{C577B468-D81A-4685-BE28-2E246ED34691}" type="datetimeFigureOut">
               <a:rPr lang="en-IN" smtClean="0"/>
-              <a:t>04-05-2023</a:t>
+              <a:t>15-04-2024</a:t>
             </a:fld>
             <a:endParaRPr lang="en-IN"/>
           </a:p>
@@ -6692,7 +6689,7 @@
           <a:p>
             <a:fld id="{C577B468-D81A-4685-BE28-2E246ED34691}" type="datetimeFigureOut">
               <a:rPr lang="en-IN" smtClean="0"/>
-              <a:t>04-05-2023</a:t>
+              <a:t>15-04-2024</a:t>
             </a:fld>
             <a:endParaRPr lang="en-IN"/>
           </a:p>
@@ -7101,7 +7098,7 @@
           <a:p>
             <a:fld id="{C577B468-D81A-4685-BE28-2E246ED34691}" type="datetimeFigureOut">
               <a:rPr lang="en-IN" smtClean="0"/>
-              <a:t>04-05-2023</a:t>
+              <a:t>15-04-2024</a:t>
             </a:fld>
             <a:endParaRPr lang="en-IN"/>
           </a:p>
@@ -7345,7 +7342,7 @@
           <a:p>
             <a:fld id="{C577B468-D81A-4685-BE28-2E246ED34691}" type="datetimeFigureOut">
               <a:rPr lang="en-IN" smtClean="0"/>
-              <a:t>04-05-2023</a:t>
+              <a:t>15-04-2024</a:t>
             </a:fld>
             <a:endParaRPr lang="en-IN"/>
           </a:p>
@@ -7742,6 +7739,59 @@
 <file path=ppt/slides/slide1.xml><?xml version="1.0" encoding="utf-8"?>
 <p:sld xmlns:a="http://schemas.openxmlformats.org/drawingml/2006/main" xmlns:r="http://schemas.openxmlformats.org/officeDocument/2006/relationships" xmlns:p="http://schemas.openxmlformats.org/presentationml/2006/main">
   <p:cSld>
+    <p:bg>
+      <p:bgPr>
+        <a:gradFill rotWithShape="1">
+          <a:gsLst>
+            <a:gs pos="69235">
+              <a:srgbClr val="D88E83"/>
+            </a:gs>
+            <a:gs pos="58746">
+              <a:schemeClr val="accent6">
+                <a:lumMod val="20000"/>
+                <a:lumOff val="80000"/>
+              </a:schemeClr>
+            </a:gs>
+            <a:gs pos="83900">
+              <a:srgbClr val="A41503"/>
+            </a:gs>
+            <a:gs pos="39162">
+              <a:srgbClr val="DC510F"/>
+            </a:gs>
+            <a:gs pos="30750">
+              <a:srgbClr val="E25D14"/>
+            </a:gs>
+            <a:gs pos="0">
+              <a:schemeClr val="bg2">
+                <a:tint val="96000"/>
+                <a:shade val="100000"/>
+                <a:hueMod val="270000"/>
+                <a:satMod val="200000"/>
+                <a:lumMod val="128000"/>
+              </a:schemeClr>
+            </a:gs>
+            <a:gs pos="50000">
+              <a:schemeClr val="bg2">
+                <a:shade val="100000"/>
+                <a:hueMod val="100000"/>
+                <a:satMod val="110000"/>
+                <a:lumMod val="130000"/>
+              </a:schemeClr>
+            </a:gs>
+            <a:gs pos="100000">
+              <a:schemeClr val="bg2">
+                <a:shade val="78000"/>
+                <a:hueMod val="44000"/>
+                <a:satMod val="200000"/>
+                <a:lumMod val="69000"/>
+              </a:schemeClr>
+            </a:gs>
+          </a:gsLst>
+          <a:lin ang="2520000" scaled="0"/>
+        </a:gradFill>
+        <a:effectLst/>
+      </p:bgPr>
+    </p:bg>
     <p:spTree>
       <p:nvGrpSpPr>
         <p:cNvPr id="1" name=""/>
@@ -7774,8 +7824,8 @@
         </p:nvSpPr>
         <p:spPr>
           <a:xfrm>
-            <a:off x="-354563" y="1374289"/>
-            <a:ext cx="9144000" cy="2387600"/>
+            <a:off x="-640079" y="2456655"/>
+            <a:ext cx="9022080" cy="1477329"/>
           </a:xfrm>
         </p:spPr>
         <p:txBody>
@@ -7783,7 +7833,9 @@
           <a:lstStyle/>
           <a:p>
             <a:r>
-              <a:rPr lang="en-IN" dirty="0"/>
+              <a:rPr lang="en-IN" sz="4400" dirty="0">
+                <a:latin typeface="Algerian" panose="04020705040A02060702" pitchFamily="82" charset="0"/>
+              </a:rPr>
               <a:t>Loan Eligibility Prediction </a:t>
             </a:r>
           </a:p>
@@ -7803,8 +7855,8 @@
         </p:nvSpPr>
         <p:spPr>
           <a:xfrm>
-            <a:off x="8574833" y="5075853"/>
-            <a:ext cx="4432040" cy="1200329"/>
+            <a:off x="8718268" y="4973129"/>
+            <a:ext cx="4432040" cy="1477328"/>
           </a:xfrm>
           <a:prstGeom prst="rect">
             <a:avLst/>
@@ -7818,83 +7870,54 @@
           <a:lstStyle/>
           <a:p>
             <a:r>
-              <a:rPr lang="en-IN" dirty="0"/>
-              <a:t>Done By:-</a:t>
-            </a:r>
-          </a:p>
-          <a:p>
-            <a:r>
-              <a:rPr lang="en-IN" dirty="0"/>
-              <a:t>     Prem Kumar. M</a:t>
-            </a:r>
-          </a:p>
-          <a:p>
-            <a:r>
-              <a:rPr lang="en-IN" dirty="0"/>
-              <a:t>     Franklin</a:t>
-            </a:r>
-          </a:p>
-          <a:p>
-            <a:r>
-              <a:rPr lang="en-IN" dirty="0"/>
-              <a:t>     </a:t>
-            </a:r>
-            <a:r>
-              <a:rPr lang="en-IN" dirty="0" err="1"/>
-              <a:t>Safeeq</a:t>
-            </a:r>
-            <a:r>
-              <a:rPr lang="en-IN" dirty="0"/>
-              <a:t> Rahman</a:t>
-            </a:r>
-          </a:p>
-        </p:txBody>
-      </p:sp>
-      <p:sp>
-        <p:nvSpPr>
-          <p:cNvPr id="5" name="TextBox 4">
-            <a:extLst>
-              <a:ext uri="{FF2B5EF4-FFF2-40B4-BE49-F238E27FC236}">
-                <a16:creationId xmlns:a16="http://schemas.microsoft.com/office/drawing/2014/main" id="{E2EC303F-A5BE-C869-357B-B2CAF92D864C}"/>
-              </a:ext>
-            </a:extLst>
-          </p:cNvPr>
-          <p:cNvSpPr txBox="1"/>
-          <p:nvPr/>
-        </p:nvSpPr>
-        <p:spPr>
-          <a:xfrm>
-            <a:off x="681135" y="5850293"/>
-            <a:ext cx="3536302" cy="646331"/>
-          </a:xfrm>
-          <a:prstGeom prst="rect">
-            <a:avLst/>
-          </a:prstGeom>
-          <a:noFill/>
-        </p:spPr>
-        <p:txBody>
-          <a:bodyPr wrap="square" rtlCol="0">
-            <a:spAutoFit/>
-          </a:bodyPr>
-          <a:lstStyle/>
-          <a:p>
-            <a:r>
-              <a:rPr lang="en-IN" dirty="0"/>
-              <a:t>Guide:-</a:t>
-            </a:r>
-          </a:p>
-          <a:p>
-            <a:r>
-              <a:rPr lang="en-IN" dirty="0"/>
-              <a:t>     </a:t>
-            </a:r>
-            <a:r>
-              <a:rPr lang="en-IN" dirty="0" err="1"/>
-              <a:t>Dr.</a:t>
-            </a:r>
-            <a:r>
-              <a:rPr lang="en-IN" dirty="0"/>
-              <a:t> Soumya</a:t>
+              <a:rPr lang="en-IN" dirty="0">
+                <a:latin typeface="Bookman Old Style" panose="02050604050505020204" pitchFamily="18" charset="0"/>
+              </a:rPr>
+              <a:t>Done By :-</a:t>
+            </a:r>
+          </a:p>
+          <a:p>
+            <a:r>
+              <a:rPr lang="en-IN" dirty="0">
+                <a:latin typeface="Bookman Old Style" panose="02050604050505020204" pitchFamily="18" charset="0"/>
+              </a:rPr>
+              <a:t>    	Safeeq Rahman A</a:t>
+            </a:r>
+          </a:p>
+          <a:p>
+            <a:r>
+              <a:rPr lang="en-IN" dirty="0">
+                <a:latin typeface="Bookman Old Style" panose="02050604050505020204" pitchFamily="18" charset="0"/>
+              </a:rPr>
+              <a:t>     	Vikram M</a:t>
+            </a:r>
+          </a:p>
+          <a:p>
+            <a:r>
+              <a:rPr lang="en-IN" dirty="0">
+                <a:latin typeface="Bookman Old Style" panose="02050604050505020204" pitchFamily="18" charset="0"/>
+              </a:rPr>
+              <a:t>     	Sanjay </a:t>
+            </a:r>
+            <a:r>
+              <a:rPr lang="en-IN" dirty="0" err="1">
+                <a:latin typeface="Bookman Old Style" panose="02050604050505020204" pitchFamily="18" charset="0"/>
+              </a:rPr>
+              <a:t>kumar</a:t>
+            </a:r>
+            <a:r>
+              <a:rPr lang="en-IN" dirty="0">
+                <a:latin typeface="Bookman Old Style" panose="02050604050505020204" pitchFamily="18" charset="0"/>
+              </a:rPr>
+              <a:t> S</a:t>
+            </a:r>
+          </a:p>
+          <a:p>
+            <a:r>
+              <a:rPr lang="en-IN" dirty="0">
+                <a:latin typeface="Bookman Old Style" panose="02050604050505020204" pitchFamily="18" charset="0"/>
+              </a:rPr>
+              <a:t>     	Santhosh</a:t>
             </a:r>
           </a:p>
         </p:txBody>
@@ -7962,8 +7985,8 @@
               <a:rPr lang="en-IN" dirty="0"/>
             </a:br>
             <a:r>
-              <a:rPr lang="en-IN" dirty="0">
-                <a:latin typeface="Arial Rounded MT Bold" panose="020F0704030504030204" pitchFamily="34" charset="0"/>
+              <a:rPr lang="en-IN" sz="4400" dirty="0">
+                <a:latin typeface="Algerian" panose="04020705040A02060702" pitchFamily="82" charset="0"/>
               </a:rPr>
               <a:t>INTRODUCTION</a:t>
             </a:r>
@@ -8088,13 +8111,15 @@
         </p:nvSpPr>
         <p:spPr/>
         <p:txBody>
-          <a:bodyPr/>
+          <a:bodyPr>
+            <a:noAutofit/>
+          </a:bodyPr>
           <a:lstStyle/>
           <a:p>
             <a:pPr algn="ctr"/>
             <a:r>
-              <a:rPr lang="en-IN" dirty="0">
-                <a:latin typeface="Arial Rounded MT Bold" panose="020F0704030504030204" pitchFamily="34" charset="0"/>
+              <a:rPr lang="en-IN" sz="4400" dirty="0">
+                <a:latin typeface="Algerian" panose="04020705040A02060702" pitchFamily="82" charset="0"/>
               </a:rPr>
               <a:t>Data collection and Pre Processing </a:t>
             </a:r>
@@ -8120,13 +8145,13 @@
         <p:spPr/>
         <p:txBody>
           <a:bodyPr>
-            <a:normAutofit fontScale="92500" lnSpcReduction="10000"/>
+            <a:normAutofit fontScale="92500" lnSpcReduction="20000"/>
           </a:bodyPr>
           <a:lstStyle/>
           <a:p>
             <a:pPr algn="l"/>
             <a:r>
-              <a:rPr lang="en-US" b="0" i="0" dirty="0">
+              <a:rPr lang="en-US" sz="2600" b="0" i="0" dirty="0">
                 <a:effectLst/>
                 <a:latin typeface="Times New Roman" panose="02020603050405020304" pitchFamily="18" charset="0"/>
                 <a:cs typeface="Times New Roman" panose="02020603050405020304" pitchFamily="18" charset="0"/>
@@ -8137,7 +8162,7 @@
           <a:p>
             <a:pPr algn="l"/>
             <a:r>
-              <a:rPr lang="en-US" b="0" i="0" dirty="0">
+              <a:rPr lang="en-US" sz="2600" b="0" i="0" dirty="0">
                 <a:effectLst/>
                 <a:latin typeface="Times New Roman" panose="02020603050405020304" pitchFamily="18" charset="0"/>
                 <a:cs typeface="Times New Roman" panose="02020603050405020304" pitchFamily="18" charset="0"/>
@@ -8148,7 +8173,7 @@
           <a:p>
             <a:pPr algn="l"/>
             <a:r>
-              <a:rPr lang="en-US" b="0" i="0" dirty="0">
+              <a:rPr lang="en-US" sz="2600" b="0" i="0" dirty="0">
                 <a:effectLst/>
                 <a:latin typeface="Times New Roman" panose="02020603050405020304" pitchFamily="18" charset="0"/>
                 <a:cs typeface="Times New Roman" panose="02020603050405020304" pitchFamily="18" charset="0"/>
@@ -8210,18 +8235,25 @@
             <p:ph type="title"/>
           </p:nvPr>
         </p:nvSpPr>
-        <p:spPr/>
-        <p:txBody>
-          <a:bodyPr/>
+        <p:spPr>
+          <a:xfrm>
+            <a:off x="792081" y="722748"/>
+            <a:ext cx="9613861" cy="1080938"/>
+          </a:xfrm>
+        </p:spPr>
+        <p:txBody>
+          <a:bodyPr>
+            <a:noAutofit/>
+          </a:bodyPr>
           <a:lstStyle/>
           <a:p>
-            <a:r>
-              <a:rPr lang="en-IN" dirty="0">
-                <a:latin typeface="Arial Rounded MT Bold" panose="020F0704030504030204" pitchFamily="34" charset="0"/>
+            <a:pPr algn="ctr"/>
+            <a:r>
+              <a:rPr lang="en-IN" sz="4400" dirty="0">
+                <a:latin typeface="Algerian" panose="04020705040A02060702" pitchFamily="82" charset="0"/>
               </a:rPr>
-              <a:t>Data collection and Pre Processing </a:t>
-            </a:r>
-            <a:endParaRPr lang="en-IN" dirty="0"/>
+              <a:t>Data collection and Pre                 Processing </a:t>
+            </a:r>
           </a:p>
         </p:txBody>
       </p:sp>
@@ -8321,13 +8353,15 @@
         </p:nvSpPr>
         <p:spPr/>
         <p:txBody>
-          <a:bodyPr/>
+          <a:bodyPr>
+            <a:normAutofit/>
+          </a:bodyPr>
           <a:lstStyle/>
           <a:p>
             <a:pPr algn="ctr"/>
             <a:r>
-              <a:rPr lang="en-IN" dirty="0">
-                <a:latin typeface="Arial Rounded MT Bold" panose="020F0704030504030204" pitchFamily="34" charset="0"/>
+              <a:rPr lang="en-IN" sz="4400" dirty="0">
+                <a:latin typeface="Algerian" panose="04020705040A02060702" pitchFamily="82" charset="0"/>
               </a:rPr>
               <a:t>Data Analysis </a:t>
             </a:r>
@@ -8424,7 +8458,7 @@
           <p:cNvPr id="2" name="Title 1">
             <a:extLst>
               <a:ext uri="{FF2B5EF4-FFF2-40B4-BE49-F238E27FC236}">
-                <a16:creationId xmlns:a16="http://schemas.microsoft.com/office/drawing/2014/main" id="{D935E135-40E4-DF1F-E73A-73AAB54E0341}"/>
+                <a16:creationId xmlns:a16="http://schemas.microsoft.com/office/drawing/2014/main" id="{32E883FA-1456-7C33-37FE-8AAB3E021257}"/>
               </a:ext>
             </a:extLst>
           </p:cNvPr>
@@ -8432,7 +8466,7 @@
             <a:spLocks noGrp="1"/>
           </p:cNvSpPr>
           <p:nvPr>
-            <p:ph type="title"/>
+            <p:ph type="ctrTitle"/>
           </p:nvPr>
         </p:nvSpPr>
         <p:spPr/>
@@ -8440,517 +8474,45 @@
           <a:bodyPr/>
           <a:lstStyle/>
           <a:p>
-            <a:pPr algn="ctr"/>
-            <a:r>
-              <a:rPr lang="en-IN" dirty="0">
-                <a:latin typeface="Arial Rounded MT Bold" panose="020F0704030504030204" pitchFamily="34" charset="0"/>
+            <a:pPr algn="l"/>
+            <a:r>
+              <a:rPr lang="en-IN" sz="9600" dirty="0">
+                <a:latin typeface="Algerian" panose="04020705040A02060702" pitchFamily="82" charset="0"/>
               </a:rPr>
-              <a:t>Data Analysis </a:t>
-            </a:r>
-            <a:endParaRPr lang="en-IN" dirty="0"/>
-          </a:p>
-        </p:txBody>
-      </p:sp>
-      <p:pic>
-        <p:nvPicPr>
-          <p:cNvPr id="13" name="Content Placeholder 12">
+              <a:t>THANK YOU</a:t>
+            </a:r>
+          </a:p>
+        </p:txBody>
+      </p:sp>
+      <p:sp>
+        <p:nvSpPr>
+          <p:cNvPr id="3" name="Subtitle 2">
             <a:extLst>
               <a:ext uri="{FF2B5EF4-FFF2-40B4-BE49-F238E27FC236}">
-                <a16:creationId xmlns:a16="http://schemas.microsoft.com/office/drawing/2014/main" id="{E5016D15-EAC6-6D73-F973-E30BA660E4FA}"/>
+                <a16:creationId xmlns:a16="http://schemas.microsoft.com/office/drawing/2014/main" id="{ABF67359-6242-778D-51F7-110DF69837C9}"/>
               </a:ext>
             </a:extLst>
           </p:cNvPr>
-          <p:cNvPicPr>
-            <a:picLocks noGrp="1" noChangeAspect="1"/>
-          </p:cNvPicPr>
-          <p:nvPr>
-            <p:ph idx="1"/>
-          </p:nvPr>
-        </p:nvPicPr>
-        <p:blipFill>
-          <a:blip r:embed="rId2">
-            <a:extLst>
-              <a:ext uri="{28A0092B-C50C-407E-A947-70E740481C1C}">
-                <a14:useLocalDpi xmlns:a14="http://schemas.microsoft.com/office/drawing/2010/main" val="0"/>
-              </a:ext>
-            </a:extLst>
-          </a:blip>
-          <a:stretch>
-            <a:fillRect/>
-          </a:stretch>
-        </p:blipFill>
-        <p:spPr>
-          <a:xfrm>
-            <a:off x="1023820" y="2595215"/>
-            <a:ext cx="4292427" cy="3264409"/>
-          </a:xfrm>
-        </p:spPr>
-      </p:pic>
-      <p:pic>
-        <p:nvPicPr>
-          <p:cNvPr id="15" name="Picture 14">
-            <a:extLst>
-              <a:ext uri="{FF2B5EF4-FFF2-40B4-BE49-F238E27FC236}">
-                <a16:creationId xmlns:a16="http://schemas.microsoft.com/office/drawing/2014/main" id="{D0D5C739-856C-9DBC-F1D7-BD71D8A315F0}"/>
-              </a:ext>
-            </a:extLst>
-          </p:cNvPr>
-          <p:cNvPicPr>
-            <a:picLocks noChangeAspect="1"/>
-          </p:cNvPicPr>
-          <p:nvPr/>
-        </p:nvPicPr>
-        <p:blipFill>
-          <a:blip r:embed="rId3">
-            <a:extLst>
-              <a:ext uri="{28A0092B-C50C-407E-A947-70E740481C1C}">
-                <a14:useLocalDpi xmlns:a14="http://schemas.microsoft.com/office/drawing/2010/main" val="0"/>
-              </a:ext>
-            </a:extLst>
-          </a:blip>
-          <a:stretch>
-            <a:fillRect/>
-          </a:stretch>
-        </p:blipFill>
-        <p:spPr>
-          <a:xfrm>
-            <a:off x="6869445" y="2595215"/>
-            <a:ext cx="4298735" cy="3264409"/>
-          </a:xfrm>
-          <a:prstGeom prst="rect">
-            <a:avLst/>
-          </a:prstGeom>
-        </p:spPr>
-      </p:pic>
+          <p:cNvSpPr>
+            <a:spLocks noGrp="1"/>
+          </p:cNvSpPr>
+          <p:nvPr>
+            <p:ph type="subTitle" idx="1"/>
+          </p:nvPr>
+        </p:nvSpPr>
+        <p:spPr/>
+        <p:txBody>
+          <a:bodyPr/>
+          <a:lstStyle/>
+          <a:p>
+            <a:endParaRPr lang="en-IN" dirty="0"/>
+          </a:p>
+        </p:txBody>
+      </p:sp>
     </p:spTree>
     <p:extLst>
       <p:ext uri="{BB962C8B-B14F-4D97-AF65-F5344CB8AC3E}">
-        <p14:creationId xmlns:p14="http://schemas.microsoft.com/office/powerpoint/2010/main" val="702301383"/>
-      </p:ext>
-    </p:extLst>
-  </p:cSld>
-  <p:clrMapOvr>
-    <a:masterClrMapping/>
-  </p:clrMapOvr>
-</p:sld>
-</file>
-
-<file path=ppt/slides/slide7.xml><?xml version="1.0" encoding="utf-8"?>
-<p:sld xmlns:a="http://schemas.openxmlformats.org/drawingml/2006/main" xmlns:r="http://schemas.openxmlformats.org/officeDocument/2006/relationships" xmlns:p="http://schemas.openxmlformats.org/presentationml/2006/main">
-  <p:cSld>
-    <p:spTree>
-      <p:nvGrpSpPr>
-        <p:cNvPr id="1" name=""/>
-        <p:cNvGrpSpPr/>
-        <p:nvPr/>
-      </p:nvGrpSpPr>
-      <p:grpSpPr>
-        <a:xfrm>
-          <a:off x="0" y="0"/>
-          <a:ext cx="0" cy="0"/>
-          <a:chOff x="0" y="0"/>
-          <a:chExt cx="0" cy="0"/>
-        </a:xfrm>
-      </p:grpSpPr>
-      <p:sp>
-        <p:nvSpPr>
-          <p:cNvPr id="2" name="Title 1">
-            <a:extLst>
-              <a:ext uri="{FF2B5EF4-FFF2-40B4-BE49-F238E27FC236}">
-                <a16:creationId xmlns:a16="http://schemas.microsoft.com/office/drawing/2014/main" id="{02F19EE9-61E2-2DF5-C375-3FD10B17BC2D}"/>
-              </a:ext>
-            </a:extLst>
-          </p:cNvPr>
-          <p:cNvSpPr>
-            <a:spLocks noGrp="1"/>
-          </p:cNvSpPr>
-          <p:nvPr>
-            <p:ph type="title"/>
-          </p:nvPr>
-        </p:nvSpPr>
-        <p:spPr>
-          <a:xfrm>
-            <a:off x="400403" y="725236"/>
-            <a:ext cx="9613861" cy="1080938"/>
-          </a:xfrm>
-        </p:spPr>
-        <p:txBody>
-          <a:bodyPr/>
-          <a:lstStyle/>
-          <a:p>
-            <a:pPr algn="ctr"/>
-            <a:r>
-              <a:rPr lang="en-IN" dirty="0">
-                <a:latin typeface="Arial Rounded MT Bold" panose="020F0704030504030204" pitchFamily="34" charset="0"/>
-              </a:rPr>
-              <a:t>Training model</a:t>
-            </a:r>
-          </a:p>
-        </p:txBody>
-      </p:sp>
-      <p:sp>
-        <p:nvSpPr>
-          <p:cNvPr id="3" name="Content Placeholder 2">
-            <a:extLst>
-              <a:ext uri="{FF2B5EF4-FFF2-40B4-BE49-F238E27FC236}">
-                <a16:creationId xmlns:a16="http://schemas.microsoft.com/office/drawing/2014/main" id="{ECA4056D-FF35-7FBF-EC32-8109DEE0DD67}"/>
-              </a:ext>
-            </a:extLst>
-          </p:cNvPr>
-          <p:cNvSpPr>
-            <a:spLocks noGrp="1"/>
-          </p:cNvSpPr>
-          <p:nvPr>
-            <p:ph idx="1"/>
-          </p:nvPr>
-        </p:nvSpPr>
-        <p:spPr>
-          <a:xfrm>
-            <a:off x="680321" y="2273494"/>
-            <a:ext cx="10515600" cy="4351338"/>
-          </a:xfrm>
-        </p:spPr>
-        <p:txBody>
-          <a:bodyPr>
-            <a:normAutofit/>
-          </a:bodyPr>
-          <a:lstStyle/>
-          <a:p>
-            <a:pPr marL="0" indent="0">
-              <a:buNone/>
-            </a:pPr>
-            <a:endParaRPr lang="en-IN" dirty="0">
-              <a:latin typeface="Times New Roman" panose="02020603050405020304" pitchFamily="18" charset="0"/>
-              <a:cs typeface="Times New Roman" panose="02020603050405020304" pitchFamily="18" charset="0"/>
-            </a:endParaRPr>
-          </a:p>
-          <a:p>
-            <a:pPr algn="l"/>
-            <a:r>
-              <a:rPr lang="en-US" b="0" i="0" dirty="0">
-                <a:effectLst/>
-                <a:latin typeface="Times New Roman" panose="02020603050405020304" pitchFamily="18" charset="0"/>
-                <a:cs typeface="Times New Roman" panose="02020603050405020304" pitchFamily="18" charset="0"/>
-              </a:rPr>
-              <a:t>Now that we have preprocessed and analyzed our dataset, it is time to train our model. Before training, we need to split our dataset into training data and testing data so that we can </a:t>
-            </a:r>
-            <a:r>
-              <a:rPr lang="en-US" b="0" i="0" dirty="0" err="1">
-                <a:effectLst/>
-                <a:latin typeface="Times New Roman" panose="02020603050405020304" pitchFamily="18" charset="0"/>
-                <a:cs typeface="Times New Roman" panose="02020603050405020304" pitchFamily="18" charset="0"/>
-              </a:rPr>
-              <a:t>backtest</a:t>
-            </a:r>
-            <a:r>
-              <a:rPr lang="en-US" b="0" i="0" dirty="0">
-                <a:effectLst/>
-                <a:latin typeface="Times New Roman" panose="02020603050405020304" pitchFamily="18" charset="0"/>
-                <a:cs typeface="Times New Roman" panose="02020603050405020304" pitchFamily="18" charset="0"/>
-              </a:rPr>
-              <a:t> our model with the test data.</a:t>
-            </a:r>
-          </a:p>
-          <a:p>
-            <a:pPr algn="l"/>
-            <a:r>
-              <a:rPr lang="en-US" b="0" i="0" dirty="0">
-                <a:effectLst/>
-                <a:latin typeface="Times New Roman" panose="02020603050405020304" pitchFamily="18" charset="0"/>
-                <a:cs typeface="Times New Roman" panose="02020603050405020304" pitchFamily="18" charset="0"/>
-              </a:rPr>
-              <a:t>To train our model, there are many algorithms available. For our loan eligibility prediction model, we have used the Support Vector Machine (SVM) model as it has given the highest accuracy.</a:t>
-            </a:r>
-          </a:p>
-          <a:p>
-            <a:pPr algn="l"/>
-            <a:r>
-              <a:rPr lang="en-US" b="0" i="0" dirty="0">
-                <a:effectLst/>
-                <a:latin typeface="Times New Roman" panose="02020603050405020304" pitchFamily="18" charset="0"/>
-                <a:cs typeface="Times New Roman" panose="02020603050405020304" pitchFamily="18" charset="0"/>
-              </a:rPr>
-              <a:t>We used the SVM algorithm to train our model on the training dataset. We then evaluated the performance of our model on the test dataset.</a:t>
-            </a:r>
-          </a:p>
-        </p:txBody>
-      </p:sp>
-    </p:spTree>
-    <p:extLst>
-      <p:ext uri="{BB962C8B-B14F-4D97-AF65-F5344CB8AC3E}">
-        <p14:creationId xmlns:p14="http://schemas.microsoft.com/office/powerpoint/2010/main" val="1067867620"/>
-      </p:ext>
-    </p:extLst>
-  </p:cSld>
-  <p:clrMapOvr>
-    <a:masterClrMapping/>
-  </p:clrMapOvr>
-</p:sld>
-</file>
-
-<file path=ppt/slides/slide8.xml><?xml version="1.0" encoding="utf-8"?>
-<p:sld xmlns:a="http://schemas.openxmlformats.org/drawingml/2006/main" xmlns:r="http://schemas.openxmlformats.org/officeDocument/2006/relationships" xmlns:p="http://schemas.openxmlformats.org/presentationml/2006/main">
-  <p:cSld>
-    <p:spTree>
-      <p:nvGrpSpPr>
-        <p:cNvPr id="1" name=""/>
-        <p:cNvGrpSpPr/>
-        <p:nvPr/>
-      </p:nvGrpSpPr>
-      <p:grpSpPr>
-        <a:xfrm>
-          <a:off x="0" y="0"/>
-          <a:ext cx="0" cy="0"/>
-          <a:chOff x="0" y="0"/>
-          <a:chExt cx="0" cy="0"/>
-        </a:xfrm>
-      </p:grpSpPr>
-      <p:sp>
-        <p:nvSpPr>
-          <p:cNvPr id="2" name="Title 1">
-            <a:extLst>
-              <a:ext uri="{FF2B5EF4-FFF2-40B4-BE49-F238E27FC236}">
-                <a16:creationId xmlns:a16="http://schemas.microsoft.com/office/drawing/2014/main" id="{B2B950AF-78A3-FBE6-8FC9-D6AD4E2BDEE3}"/>
-              </a:ext>
-            </a:extLst>
-          </p:cNvPr>
-          <p:cNvSpPr>
-            <a:spLocks noGrp="1"/>
-          </p:cNvSpPr>
-          <p:nvPr>
-            <p:ph type="title"/>
-          </p:nvPr>
-        </p:nvSpPr>
-        <p:spPr/>
-        <p:txBody>
-          <a:bodyPr/>
-          <a:lstStyle/>
-          <a:p>
-            <a:pPr algn="ctr"/>
-            <a:r>
-              <a:rPr lang="en-IN" dirty="0">
-                <a:latin typeface="Arial Rounded MT Bold" panose="020F0704030504030204" pitchFamily="34" charset="0"/>
-              </a:rPr>
-              <a:t>Training model</a:t>
-            </a:r>
-            <a:endParaRPr lang="en-IN" dirty="0"/>
-          </a:p>
-        </p:txBody>
-      </p:sp>
-      <p:sp>
-        <p:nvSpPr>
-          <p:cNvPr id="3" name="Content Placeholder 2">
-            <a:extLst>
-              <a:ext uri="{FF2B5EF4-FFF2-40B4-BE49-F238E27FC236}">
-                <a16:creationId xmlns:a16="http://schemas.microsoft.com/office/drawing/2014/main" id="{73880F3A-7060-5884-CFA6-B7B727026407}"/>
-              </a:ext>
-            </a:extLst>
-          </p:cNvPr>
-          <p:cNvSpPr>
-            <a:spLocks noGrp="1"/>
-          </p:cNvSpPr>
-          <p:nvPr>
-            <p:ph idx="1"/>
-          </p:nvPr>
-        </p:nvSpPr>
-        <p:spPr/>
-        <p:txBody>
-          <a:bodyPr/>
-          <a:lstStyle/>
-          <a:p>
-            <a:r>
-              <a:rPr lang="en-US" b="0" i="0" dirty="0">
-                <a:effectLst/>
-                <a:latin typeface="Times New Roman" panose="02020603050405020304" pitchFamily="18" charset="0"/>
-                <a:cs typeface="Times New Roman" panose="02020603050405020304" pitchFamily="18" charset="0"/>
-              </a:rPr>
-              <a:t>After training our model, we obtained an accuracy of 79.86% on the training dataset and an accuracy of 79.16% on the test dataset.</a:t>
-            </a:r>
-          </a:p>
-          <a:p>
-            <a:r>
-              <a:rPr lang="en-US" b="0" i="0" dirty="0">
-                <a:effectLst/>
-                <a:latin typeface="Times New Roman" panose="02020603050405020304" pitchFamily="18" charset="0"/>
-                <a:cs typeface="Times New Roman" panose="02020603050405020304" pitchFamily="18" charset="0"/>
-              </a:rPr>
-              <a:t>In summary, the training process involved splitting our dataset into training data and testing data, training our model using the SVM algorithm, and evaluating the performance of our model on the test dataset.</a:t>
-            </a:r>
-          </a:p>
-          <a:p>
-            <a:endParaRPr lang="en-IN" dirty="0">
-              <a:latin typeface="Times New Roman" panose="02020603050405020304" pitchFamily="18" charset="0"/>
-              <a:cs typeface="Times New Roman" panose="02020603050405020304" pitchFamily="18" charset="0"/>
-            </a:endParaRPr>
-          </a:p>
-        </p:txBody>
-      </p:sp>
-      <p:pic>
-        <p:nvPicPr>
-          <p:cNvPr id="5" name="Picture 4">
-            <a:extLst>
-              <a:ext uri="{FF2B5EF4-FFF2-40B4-BE49-F238E27FC236}">
-                <a16:creationId xmlns:a16="http://schemas.microsoft.com/office/drawing/2014/main" id="{BB08622C-2898-54DB-95C5-DC290A1F4F9C}"/>
-              </a:ext>
-            </a:extLst>
-          </p:cNvPr>
-          <p:cNvPicPr>
-            <a:picLocks noChangeAspect="1"/>
-          </p:cNvPicPr>
-          <p:nvPr/>
-        </p:nvPicPr>
-        <p:blipFill>
-          <a:blip r:embed="rId2"/>
-          <a:stretch>
-            <a:fillRect/>
-          </a:stretch>
-        </p:blipFill>
-        <p:spPr>
-          <a:xfrm>
-            <a:off x="1540405" y="4241467"/>
-            <a:ext cx="9111190" cy="2070433"/>
-          </a:xfrm>
-          <a:prstGeom prst="rect">
-            <a:avLst/>
-          </a:prstGeom>
-        </p:spPr>
-      </p:pic>
-    </p:spTree>
-    <p:extLst>
-      <p:ext uri="{BB962C8B-B14F-4D97-AF65-F5344CB8AC3E}">
-        <p14:creationId xmlns:p14="http://schemas.microsoft.com/office/powerpoint/2010/main" val="922845196"/>
-      </p:ext>
-    </p:extLst>
-  </p:cSld>
-  <p:clrMapOvr>
-    <a:masterClrMapping/>
-  </p:clrMapOvr>
-</p:sld>
-</file>
-
-<file path=ppt/slides/slide9.xml><?xml version="1.0" encoding="utf-8"?>
-<p:sld xmlns:a="http://schemas.openxmlformats.org/drawingml/2006/main" xmlns:r="http://schemas.openxmlformats.org/officeDocument/2006/relationships" xmlns:p="http://schemas.openxmlformats.org/presentationml/2006/main">
-  <p:cSld>
-    <p:spTree>
-      <p:nvGrpSpPr>
-        <p:cNvPr id="1" name=""/>
-        <p:cNvGrpSpPr/>
-        <p:nvPr/>
-      </p:nvGrpSpPr>
-      <p:grpSpPr>
-        <a:xfrm>
-          <a:off x="0" y="0"/>
-          <a:ext cx="0" cy="0"/>
-          <a:chOff x="0" y="0"/>
-          <a:chExt cx="0" cy="0"/>
-        </a:xfrm>
-      </p:grpSpPr>
-      <p:sp>
-        <p:nvSpPr>
-          <p:cNvPr id="2" name="Title 1">
-            <a:extLst>
-              <a:ext uri="{FF2B5EF4-FFF2-40B4-BE49-F238E27FC236}">
-                <a16:creationId xmlns:a16="http://schemas.microsoft.com/office/drawing/2014/main" id="{25A14184-4776-1489-63C7-CB47C9FFF65A}"/>
-              </a:ext>
-            </a:extLst>
-          </p:cNvPr>
-          <p:cNvSpPr>
-            <a:spLocks noGrp="1"/>
-          </p:cNvSpPr>
-          <p:nvPr>
-            <p:ph type="title"/>
-          </p:nvPr>
-        </p:nvSpPr>
-        <p:spPr/>
-        <p:txBody>
-          <a:bodyPr/>
-          <a:lstStyle/>
-          <a:p>
-            <a:pPr algn="ctr"/>
-            <a:r>
-              <a:rPr lang="en-IN" dirty="0" err="1">
-                <a:latin typeface="Arial Rounded MT Bold" panose="020F0704030504030204" pitchFamily="34" charset="0"/>
-              </a:rPr>
-              <a:t>Github</a:t>
-            </a:r>
-            <a:endParaRPr lang="en-IN" dirty="0">
-              <a:latin typeface="Arial Rounded MT Bold" panose="020F0704030504030204" pitchFamily="34" charset="0"/>
-            </a:endParaRPr>
-          </a:p>
-        </p:txBody>
-      </p:sp>
-      <p:pic>
-        <p:nvPicPr>
-          <p:cNvPr id="5" name="Content Placeholder 4">
-            <a:extLst>
-              <a:ext uri="{FF2B5EF4-FFF2-40B4-BE49-F238E27FC236}">
-                <a16:creationId xmlns:a16="http://schemas.microsoft.com/office/drawing/2014/main" id="{ED930BFF-433B-39DD-8001-1DBAE2984C5B}"/>
-              </a:ext>
-            </a:extLst>
-          </p:cNvPr>
-          <p:cNvPicPr>
-            <a:picLocks noGrp="1" noChangeAspect="1"/>
-          </p:cNvPicPr>
-          <p:nvPr>
-            <p:ph idx="1"/>
-          </p:nvPr>
-        </p:nvPicPr>
-        <p:blipFill>
-          <a:blip r:embed="rId2"/>
-          <a:stretch>
-            <a:fillRect/>
-          </a:stretch>
-        </p:blipFill>
-        <p:spPr>
-          <a:xfrm>
-            <a:off x="2009947" y="3075041"/>
-            <a:ext cx="7385289" cy="3598863"/>
-          </a:xfrm>
-        </p:spPr>
-      </p:pic>
-      <p:sp>
-        <p:nvSpPr>
-          <p:cNvPr id="6" name="TextBox 5">
-            <a:extLst>
-              <a:ext uri="{FF2B5EF4-FFF2-40B4-BE49-F238E27FC236}">
-                <a16:creationId xmlns:a16="http://schemas.microsoft.com/office/drawing/2014/main" id="{8BCA4715-E47C-8481-3085-3795253E5BA4}"/>
-              </a:ext>
-            </a:extLst>
-          </p:cNvPr>
-          <p:cNvSpPr txBox="1"/>
-          <p:nvPr/>
-        </p:nvSpPr>
-        <p:spPr>
-          <a:xfrm>
-            <a:off x="680321" y="2269937"/>
-            <a:ext cx="8828314" cy="369332"/>
-          </a:xfrm>
-          <a:prstGeom prst="rect">
-            <a:avLst/>
-          </a:prstGeom>
-          <a:noFill/>
-        </p:spPr>
-        <p:txBody>
-          <a:bodyPr wrap="square" rtlCol="0">
-            <a:spAutoFit/>
-          </a:bodyPr>
-          <a:lstStyle/>
-          <a:p>
-            <a:r>
-              <a:rPr lang="en-IN" dirty="0" err="1"/>
-              <a:t>Github</a:t>
-            </a:r>
-            <a:r>
-              <a:rPr lang="en-IN" dirty="0"/>
-              <a:t> Repository: https://github.com/Prem4566/loan_eligibility_prediction</a:t>
-            </a:r>
-          </a:p>
-        </p:txBody>
-      </p:sp>
-    </p:spTree>
-    <p:extLst>
-      <p:ext uri="{BB962C8B-B14F-4D97-AF65-F5344CB8AC3E}">
-        <p14:creationId xmlns:p14="http://schemas.microsoft.com/office/powerpoint/2010/main" val="2830238222"/>
+        <p14:creationId xmlns:p14="http://schemas.microsoft.com/office/powerpoint/2010/main" val="1571677569"/>
       </p:ext>
     </p:extLst>
   </p:cSld>
